--- a/presentations/cicd-in-a-nutshell.pptx
+++ b/presentations/cicd-in-a-nutshell.pptx
@@ -24,42 +24,42 @@
   <p:notesSz cx="6858000" cy="9144000"/>
   <p:embeddedFontLst>
     <p:embeddedFont>
-      <p:font typeface="Arvo" panose="02000000000000000000" pitchFamily="2" charset="77"/>
+      <p:font typeface="Arvo" panose="020B0604020202020204" charset="-94"/>
       <p:regular r:id="rId14"/>
       <p:bold r:id="rId15"/>
       <p:italic r:id="rId16"/>
       <p:boldItalic r:id="rId17"/>
     </p:embeddedFont>
     <p:embeddedFont>
-      <p:font typeface="Bodoni" pitchFamily="2" charset="0"/>
+      <p:font typeface="Ubuntu Light" panose="020B0604020202020204" charset="0"/>
       <p:regular r:id="rId18"/>
       <p:bold r:id="rId19"/>
       <p:italic r:id="rId20"/>
       <p:boldItalic r:id="rId21"/>
     </p:embeddedFont>
     <p:embeddedFont>
-      <p:font typeface="Fira Sans Extra Condensed Medium" panose="020B0603050000020004" pitchFamily="34" charset="0"/>
+      <p:font typeface="Fira Sans Extra Condensed Medium" panose="020B0604020202020204" charset="0"/>
       <p:regular r:id="rId22"/>
       <p:bold r:id="rId23"/>
       <p:italic r:id="rId24"/>
       <p:boldItalic r:id="rId25"/>
     </p:embeddedFont>
     <p:embeddedFont>
-      <p:font typeface="Roboto" panose="02000000000000000000" pitchFamily="2" charset="0"/>
+      <p:font typeface="Ubuntu" panose="020B0604020202020204" charset="0"/>
       <p:regular r:id="rId26"/>
       <p:bold r:id="rId27"/>
       <p:italic r:id="rId28"/>
       <p:boldItalic r:id="rId29"/>
     </p:embeddedFont>
     <p:embeddedFont>
-      <p:font typeface="Ubuntu" panose="020B0504030602030204" pitchFamily="34" charset="0"/>
+      <p:font typeface="Bodoni" panose="020B0604020202020204" charset="0"/>
       <p:regular r:id="rId30"/>
       <p:bold r:id="rId31"/>
       <p:italic r:id="rId32"/>
       <p:boldItalic r:id="rId33"/>
     </p:embeddedFont>
     <p:embeddedFont>
-      <p:font typeface="Ubuntu Light" panose="020B0304030602030204" pitchFamily="34" charset="0"/>
+      <p:font typeface="Roboto" panose="020B0604020202020204" charset="0"/>
       <p:regular r:id="rId34"/>
       <p:bold r:id="rId35"/>
       <p:italic r:id="rId36"/>
@@ -309,6 +309,11 @@
           </p15:clr>
         </p15:guide>
         <p15:guide id="3" orient="horz" pos="2871">
+          <p15:clr>
+            <a:srgbClr val="A4A3A4"/>
+          </p15:clr>
+        </p15:guide>
+        <p15:guide id="4" pos="2880">
           <p15:clr>
             <a:srgbClr val="A4A3A4"/>
           </p15:clr>
@@ -2157,10 +2162,40 @@
             </a:lvl9pPr>
           </a:lstStyle>
           <a:p>
-            <a:endParaRPr/>
+            <a:endParaRPr dirty="0"/>
           </a:p>
         </p:txBody>
       </p:sp>
+      <p:pic>
+        <p:nvPicPr>
+          <p:cNvPr id="2" name="Picture 1"/>
+          <p:cNvPicPr>
+            <a:picLocks noChangeAspect="1"/>
+          </p:cNvPicPr>
+          <p:nvPr userDrawn="1"/>
+        </p:nvPicPr>
+        <p:blipFill>
+          <a:blip r:embed="rId2">
+            <a:extLst>
+              <a:ext uri="{28A0092B-C50C-407E-A947-70E740481C1C}">
+                <a14:useLocalDpi xmlns:a14="http://schemas.microsoft.com/office/drawing/2010/main" val="0"/>
+              </a:ext>
+            </a:extLst>
+          </a:blip>
+          <a:stretch>
+            <a:fillRect/>
+          </a:stretch>
+        </p:blipFill>
+        <p:spPr>
+          <a:xfrm>
+            <a:off x="6423412" y="3191393"/>
+            <a:ext cx="1777555" cy="1777555"/>
+          </a:xfrm>
+          <a:prstGeom prst="rect">
+            <a:avLst/>
+          </a:prstGeom>
+        </p:spPr>
+      </p:pic>
     </p:spTree>
   </p:cSld>
   <p:clrMapOvr>
@@ -2733,6 +2768,66 @@
           </a:p>
         </p:txBody>
       </p:sp>
+      <p:pic>
+        <p:nvPicPr>
+          <p:cNvPr id="7" name="Picture 6"/>
+          <p:cNvPicPr>
+            <a:picLocks noChangeAspect="1"/>
+          </p:cNvPicPr>
+          <p:nvPr userDrawn="1"/>
+        </p:nvPicPr>
+        <p:blipFill>
+          <a:blip r:embed="rId2">
+            <a:extLst>
+              <a:ext uri="{28A0092B-C50C-407E-A947-70E740481C1C}">
+                <a14:useLocalDpi xmlns:a14="http://schemas.microsoft.com/office/drawing/2010/main" val="0"/>
+              </a:ext>
+            </a:extLst>
+          </a:blip>
+          <a:stretch>
+            <a:fillRect/>
+          </a:stretch>
+        </p:blipFill>
+        <p:spPr>
+          <a:xfrm>
+            <a:off x="8066784" y="4609917"/>
+            <a:ext cx="603010" cy="603010"/>
+          </a:xfrm>
+          <a:prstGeom prst="rect">
+            <a:avLst/>
+          </a:prstGeom>
+        </p:spPr>
+      </p:pic>
+      <p:pic>
+        <p:nvPicPr>
+          <p:cNvPr id="2" name="Picture 1"/>
+          <p:cNvPicPr>
+            <a:picLocks noChangeAspect="1"/>
+          </p:cNvPicPr>
+          <p:nvPr userDrawn="1"/>
+        </p:nvPicPr>
+        <p:blipFill>
+          <a:blip r:embed="rId3">
+            <a:extLst>
+              <a:ext uri="{28A0092B-C50C-407E-A947-70E740481C1C}">
+                <a14:useLocalDpi xmlns:a14="http://schemas.microsoft.com/office/drawing/2010/main" val="0"/>
+              </a:ext>
+            </a:extLst>
+          </a:blip>
+          <a:stretch>
+            <a:fillRect/>
+          </a:stretch>
+        </p:blipFill>
+        <p:spPr>
+          <a:xfrm>
+            <a:off x="0" y="4759212"/>
+            <a:ext cx="8216087" cy="319088"/>
+          </a:xfrm>
+          <a:prstGeom prst="rect">
+            <a:avLst/>
+          </a:prstGeom>
+        </p:spPr>
+      </p:pic>
     </p:spTree>
   </p:cSld>
   <p:clrMapOvr>
@@ -3320,6 +3415,66 @@
           </a:ln>
         </p:spPr>
       </p:cxnSp>
+      <p:pic>
+        <p:nvPicPr>
+          <p:cNvPr id="7" name="Picture 6"/>
+          <p:cNvPicPr>
+            <a:picLocks noChangeAspect="1"/>
+          </p:cNvPicPr>
+          <p:nvPr userDrawn="1"/>
+        </p:nvPicPr>
+        <p:blipFill>
+          <a:blip r:embed="rId2">
+            <a:extLst>
+              <a:ext uri="{28A0092B-C50C-407E-A947-70E740481C1C}">
+                <a14:useLocalDpi xmlns:a14="http://schemas.microsoft.com/office/drawing/2010/main" val="0"/>
+              </a:ext>
+            </a:extLst>
+          </a:blip>
+          <a:stretch>
+            <a:fillRect/>
+          </a:stretch>
+        </p:blipFill>
+        <p:spPr>
+          <a:xfrm>
+            <a:off x="8066784" y="4609917"/>
+            <a:ext cx="603010" cy="603010"/>
+          </a:xfrm>
+          <a:prstGeom prst="rect">
+            <a:avLst/>
+          </a:prstGeom>
+        </p:spPr>
+      </p:pic>
+      <p:pic>
+        <p:nvPicPr>
+          <p:cNvPr id="8" name="Picture 7"/>
+          <p:cNvPicPr>
+            <a:picLocks noChangeAspect="1"/>
+          </p:cNvPicPr>
+          <p:nvPr userDrawn="1"/>
+        </p:nvPicPr>
+        <p:blipFill>
+          <a:blip r:embed="rId3">
+            <a:extLst>
+              <a:ext uri="{28A0092B-C50C-407E-A947-70E740481C1C}">
+                <a14:useLocalDpi xmlns:a14="http://schemas.microsoft.com/office/drawing/2010/main" val="0"/>
+              </a:ext>
+            </a:extLst>
+          </a:blip>
+          <a:stretch>
+            <a:fillRect/>
+          </a:stretch>
+        </p:blipFill>
+        <p:spPr>
+          <a:xfrm>
+            <a:off x="0" y="4759212"/>
+            <a:ext cx="8216087" cy="319088"/>
+          </a:xfrm>
+          <a:prstGeom prst="rect">
+            <a:avLst/>
+          </a:prstGeom>
+        </p:spPr>
+      </p:pic>
     </p:spTree>
   </p:cSld>
   <p:clrMapOvr>
@@ -4399,6 +4554,66 @@
           </a:p>
         </p:txBody>
       </p:sp>
+      <p:pic>
+        <p:nvPicPr>
+          <p:cNvPr id="10" name="Picture 9"/>
+          <p:cNvPicPr>
+            <a:picLocks noChangeAspect="1"/>
+          </p:cNvPicPr>
+          <p:nvPr userDrawn="1"/>
+        </p:nvPicPr>
+        <p:blipFill>
+          <a:blip r:embed="rId2">
+            <a:extLst>
+              <a:ext uri="{28A0092B-C50C-407E-A947-70E740481C1C}">
+                <a14:useLocalDpi xmlns:a14="http://schemas.microsoft.com/office/drawing/2010/main" val="0"/>
+              </a:ext>
+            </a:extLst>
+          </a:blip>
+          <a:stretch>
+            <a:fillRect/>
+          </a:stretch>
+        </p:blipFill>
+        <p:spPr>
+          <a:xfrm>
+            <a:off x="8066784" y="4609917"/>
+            <a:ext cx="603010" cy="603010"/>
+          </a:xfrm>
+          <a:prstGeom prst="rect">
+            <a:avLst/>
+          </a:prstGeom>
+        </p:spPr>
+      </p:pic>
+      <p:pic>
+        <p:nvPicPr>
+          <p:cNvPr id="11" name="Picture 10"/>
+          <p:cNvPicPr>
+            <a:picLocks noChangeAspect="1"/>
+          </p:cNvPicPr>
+          <p:nvPr userDrawn="1"/>
+        </p:nvPicPr>
+        <p:blipFill>
+          <a:blip r:embed="rId3">
+            <a:extLst>
+              <a:ext uri="{28A0092B-C50C-407E-A947-70E740481C1C}">
+                <a14:useLocalDpi xmlns:a14="http://schemas.microsoft.com/office/drawing/2010/main" val="0"/>
+              </a:ext>
+            </a:extLst>
+          </a:blip>
+          <a:stretch>
+            <a:fillRect/>
+          </a:stretch>
+        </p:blipFill>
+        <p:spPr>
+          <a:xfrm>
+            <a:off x="0" y="4759212"/>
+            <a:ext cx="8216087" cy="319088"/>
+          </a:xfrm>
+          <a:prstGeom prst="rect">
+            <a:avLst/>
+          </a:prstGeom>
+        </p:spPr>
+      </p:pic>
     </p:spTree>
   </p:cSld>
   <p:clrMapOvr>
@@ -5852,6 +6067,66 @@
           </a:ln>
         </p:spPr>
       </p:cxnSp>
+      <p:pic>
+        <p:nvPicPr>
+          <p:cNvPr id="13" name="Picture 12"/>
+          <p:cNvPicPr>
+            <a:picLocks noChangeAspect="1"/>
+          </p:cNvPicPr>
+          <p:nvPr userDrawn="1"/>
+        </p:nvPicPr>
+        <p:blipFill>
+          <a:blip r:embed="rId2">
+            <a:extLst>
+              <a:ext uri="{28A0092B-C50C-407E-A947-70E740481C1C}">
+                <a14:useLocalDpi xmlns:a14="http://schemas.microsoft.com/office/drawing/2010/main" val="0"/>
+              </a:ext>
+            </a:extLst>
+          </a:blip>
+          <a:stretch>
+            <a:fillRect/>
+          </a:stretch>
+        </p:blipFill>
+        <p:spPr>
+          <a:xfrm>
+            <a:off x="8066784" y="4609917"/>
+            <a:ext cx="603010" cy="603010"/>
+          </a:xfrm>
+          <a:prstGeom prst="rect">
+            <a:avLst/>
+          </a:prstGeom>
+        </p:spPr>
+      </p:pic>
+      <p:pic>
+        <p:nvPicPr>
+          <p:cNvPr id="14" name="Picture 13"/>
+          <p:cNvPicPr>
+            <a:picLocks noChangeAspect="1"/>
+          </p:cNvPicPr>
+          <p:nvPr userDrawn="1"/>
+        </p:nvPicPr>
+        <p:blipFill>
+          <a:blip r:embed="rId3">
+            <a:extLst>
+              <a:ext uri="{28A0092B-C50C-407E-A947-70E740481C1C}">
+                <a14:useLocalDpi xmlns:a14="http://schemas.microsoft.com/office/drawing/2010/main" val="0"/>
+              </a:ext>
+            </a:extLst>
+          </a:blip>
+          <a:stretch>
+            <a:fillRect/>
+          </a:stretch>
+        </p:blipFill>
+        <p:spPr>
+          <a:xfrm>
+            <a:off x="0" y="4759212"/>
+            <a:ext cx="8216087" cy="319088"/>
+          </a:xfrm>
+          <a:prstGeom prst="rect">
+            <a:avLst/>
+          </a:prstGeom>
+        </p:spPr>
+      </p:pic>
     </p:spTree>
   </p:cSld>
   <p:clrMapOvr>
@@ -6426,6 +6701,66 @@
           </a:p>
         </p:txBody>
       </p:sp>
+      <p:pic>
+        <p:nvPicPr>
+          <p:cNvPr id="6" name="Picture 5"/>
+          <p:cNvPicPr>
+            <a:picLocks noChangeAspect="1"/>
+          </p:cNvPicPr>
+          <p:nvPr userDrawn="1"/>
+        </p:nvPicPr>
+        <p:blipFill>
+          <a:blip r:embed="rId2">
+            <a:extLst>
+              <a:ext uri="{28A0092B-C50C-407E-A947-70E740481C1C}">
+                <a14:useLocalDpi xmlns:a14="http://schemas.microsoft.com/office/drawing/2010/main" val="0"/>
+              </a:ext>
+            </a:extLst>
+          </a:blip>
+          <a:stretch>
+            <a:fillRect/>
+          </a:stretch>
+        </p:blipFill>
+        <p:spPr>
+          <a:xfrm>
+            <a:off x="8066784" y="4609917"/>
+            <a:ext cx="603010" cy="603010"/>
+          </a:xfrm>
+          <a:prstGeom prst="rect">
+            <a:avLst/>
+          </a:prstGeom>
+        </p:spPr>
+      </p:pic>
+      <p:pic>
+        <p:nvPicPr>
+          <p:cNvPr id="7" name="Picture 6"/>
+          <p:cNvPicPr>
+            <a:picLocks noChangeAspect="1"/>
+          </p:cNvPicPr>
+          <p:nvPr userDrawn="1"/>
+        </p:nvPicPr>
+        <p:blipFill>
+          <a:blip r:embed="rId3">
+            <a:extLst>
+              <a:ext uri="{28A0092B-C50C-407E-A947-70E740481C1C}">
+                <a14:useLocalDpi xmlns:a14="http://schemas.microsoft.com/office/drawing/2010/main" val="0"/>
+              </a:ext>
+            </a:extLst>
+          </a:blip>
+          <a:stretch>
+            <a:fillRect/>
+          </a:stretch>
+        </p:blipFill>
+        <p:spPr>
+          <a:xfrm>
+            <a:off x="0" y="4759212"/>
+            <a:ext cx="8216087" cy="319088"/>
+          </a:xfrm>
+          <a:prstGeom prst="rect">
+            <a:avLst/>
+          </a:prstGeom>
+        </p:spPr>
+      </p:pic>
     </p:spTree>
   </p:cSld>
   <p:clrMapOvr>
@@ -6459,6 +6794,66 @@
           <a:chExt cx="0" cy="0"/>
         </a:xfrm>
       </p:grpSpPr>
+      <p:pic>
+        <p:nvPicPr>
+          <p:cNvPr id="2" name="Picture 1"/>
+          <p:cNvPicPr>
+            <a:picLocks noChangeAspect="1"/>
+          </p:cNvPicPr>
+          <p:nvPr userDrawn="1"/>
+        </p:nvPicPr>
+        <p:blipFill>
+          <a:blip r:embed="rId2">
+            <a:extLst>
+              <a:ext uri="{28A0092B-C50C-407E-A947-70E740481C1C}">
+                <a14:useLocalDpi xmlns:a14="http://schemas.microsoft.com/office/drawing/2010/main" val="0"/>
+              </a:ext>
+            </a:extLst>
+          </a:blip>
+          <a:stretch>
+            <a:fillRect/>
+          </a:stretch>
+        </p:blipFill>
+        <p:spPr>
+          <a:xfrm>
+            <a:off x="8066784" y="4609917"/>
+            <a:ext cx="603010" cy="603010"/>
+          </a:xfrm>
+          <a:prstGeom prst="rect">
+            <a:avLst/>
+          </a:prstGeom>
+        </p:spPr>
+      </p:pic>
+      <p:pic>
+        <p:nvPicPr>
+          <p:cNvPr id="3" name="Picture 2"/>
+          <p:cNvPicPr>
+            <a:picLocks noChangeAspect="1"/>
+          </p:cNvPicPr>
+          <p:nvPr userDrawn="1"/>
+        </p:nvPicPr>
+        <p:blipFill>
+          <a:blip r:embed="rId3">
+            <a:extLst>
+              <a:ext uri="{28A0092B-C50C-407E-A947-70E740481C1C}">
+                <a14:useLocalDpi xmlns:a14="http://schemas.microsoft.com/office/drawing/2010/main" val="0"/>
+              </a:ext>
+            </a:extLst>
+          </a:blip>
+          <a:stretch>
+            <a:fillRect/>
+          </a:stretch>
+        </p:blipFill>
+        <p:spPr>
+          <a:xfrm>
+            <a:off x="0" y="4759212"/>
+            <a:ext cx="8216087" cy="319088"/>
+          </a:xfrm>
+          <a:prstGeom prst="rect">
+            <a:avLst/>
+          </a:prstGeom>
+        </p:spPr>
+      </p:pic>
     </p:spTree>
   </p:cSld>
   <p:clrMapOvr>
@@ -6532,6 +6927,66 @@
           </a:p>
         </p:txBody>
       </p:sp>
+      <p:pic>
+        <p:nvPicPr>
+          <p:cNvPr id="3" name="Picture 2"/>
+          <p:cNvPicPr>
+            <a:picLocks noChangeAspect="1"/>
+          </p:cNvPicPr>
+          <p:nvPr userDrawn="1"/>
+        </p:nvPicPr>
+        <p:blipFill>
+          <a:blip r:embed="rId2">
+            <a:extLst>
+              <a:ext uri="{28A0092B-C50C-407E-A947-70E740481C1C}">
+                <a14:useLocalDpi xmlns:a14="http://schemas.microsoft.com/office/drawing/2010/main" val="0"/>
+              </a:ext>
+            </a:extLst>
+          </a:blip>
+          <a:stretch>
+            <a:fillRect/>
+          </a:stretch>
+        </p:blipFill>
+        <p:spPr>
+          <a:xfrm>
+            <a:off x="8066784" y="4609917"/>
+            <a:ext cx="603010" cy="603010"/>
+          </a:xfrm>
+          <a:prstGeom prst="rect">
+            <a:avLst/>
+          </a:prstGeom>
+        </p:spPr>
+      </p:pic>
+      <p:pic>
+        <p:nvPicPr>
+          <p:cNvPr id="4" name="Picture 3"/>
+          <p:cNvPicPr>
+            <a:picLocks noChangeAspect="1"/>
+          </p:cNvPicPr>
+          <p:nvPr userDrawn="1"/>
+        </p:nvPicPr>
+        <p:blipFill>
+          <a:blip r:embed="rId3">
+            <a:extLst>
+              <a:ext uri="{28A0092B-C50C-407E-A947-70E740481C1C}">
+                <a14:useLocalDpi xmlns:a14="http://schemas.microsoft.com/office/drawing/2010/main" val="0"/>
+              </a:ext>
+            </a:extLst>
+          </a:blip>
+          <a:stretch>
+            <a:fillRect/>
+          </a:stretch>
+        </p:blipFill>
+        <p:spPr>
+          <a:xfrm>
+            <a:off x="0" y="4759212"/>
+            <a:ext cx="8216087" cy="319088"/>
+          </a:xfrm>
+          <a:prstGeom prst="rect">
+            <a:avLst/>
+          </a:prstGeom>
+        </p:spPr>
+      </p:pic>
     </p:spTree>
   </p:cSld>
   <p:clrMapOvr>
@@ -10347,86 +10802,6 @@
           <a:chExt cx="0" cy="0"/>
         </a:xfrm>
       </p:grpSpPr>
-      <p:sp>
-        <p:nvSpPr>
-          <p:cNvPr id="915" name="Google Shape;915;p61"/>
-          <p:cNvSpPr/>
-          <p:nvPr/>
-        </p:nvSpPr>
-        <p:spPr>
-          <a:xfrm>
-            <a:off x="676300" y="321200"/>
-            <a:ext cx="7848900" cy="4447500"/>
-          </a:xfrm>
-          <a:prstGeom prst="rect">
-            <a:avLst/>
-          </a:prstGeom>
-          <a:solidFill>
-            <a:schemeClr val="accent1"/>
-          </a:solidFill>
-          <a:ln>
-            <a:noFill/>
-          </a:ln>
-        </p:spPr>
-        <p:txBody>
-          <a:bodyPr spcFirstLastPara="1" wrap="square" lIns="91425" tIns="91425" rIns="91425" bIns="91425" anchor="ctr" anchorCtr="0">
-            <a:noAutofit/>
-          </a:bodyPr>
-          <a:lstStyle/>
-          <a:p>
-            <a:pPr marL="0" lvl="0" indent="0" algn="l" rtl="0">
-              <a:spcBef>
-                <a:spcPts val="0"/>
-              </a:spcBef>
-              <a:spcAft>
-                <a:spcPts val="0"/>
-              </a:spcAft>
-              <a:buNone/>
-            </a:pPr>
-            <a:endParaRPr/>
-          </a:p>
-        </p:txBody>
-      </p:sp>
-      <p:sp>
-        <p:nvSpPr>
-          <p:cNvPr id="916" name="Google Shape;916;p61"/>
-          <p:cNvSpPr/>
-          <p:nvPr/>
-        </p:nvSpPr>
-        <p:spPr>
-          <a:xfrm>
-            <a:off x="676300" y="321200"/>
-            <a:ext cx="2029200" cy="4447500"/>
-          </a:xfrm>
-          <a:prstGeom prst="rect">
-            <a:avLst/>
-          </a:prstGeom>
-          <a:solidFill>
-            <a:schemeClr val="accent1"/>
-          </a:solidFill>
-          <a:ln>
-            <a:noFill/>
-          </a:ln>
-        </p:spPr>
-        <p:txBody>
-          <a:bodyPr spcFirstLastPara="1" wrap="square" lIns="91425" tIns="91425" rIns="91425" bIns="91425" anchor="ctr" anchorCtr="0">
-            <a:noAutofit/>
-          </a:bodyPr>
-          <a:lstStyle/>
-          <a:p>
-            <a:pPr marL="0" lvl="0" indent="0" algn="l" rtl="0">
-              <a:spcBef>
-                <a:spcPts val="0"/>
-              </a:spcBef>
-              <a:spcAft>
-                <a:spcPts val="0"/>
-              </a:spcAft>
-              <a:buNone/>
-            </a:pPr>
-            <a:endParaRPr/>
-          </a:p>
-        </p:txBody>
-      </p:sp>
       <p:cxnSp>
         <p:nvCxnSpPr>
           <p:cNvPr id="918" name="Google Shape;918;p61"/>
@@ -10455,64 +10830,6 @@
       </p:cxnSp>
       <p:sp>
         <p:nvSpPr>
-          <p:cNvPr id="919" name="Google Shape;919;p61"/>
-          <p:cNvSpPr txBox="1">
-            <a:spLocks noGrp="1"/>
-          </p:cNvSpPr>
-          <p:nvPr>
-            <p:ph type="sldNum" idx="4294967295"/>
-          </p:nvPr>
-        </p:nvSpPr>
-        <p:spPr>
-          <a:xfrm>
-            <a:off x="8548658" y="4663217"/>
-            <a:ext cx="548700" cy="393600"/>
-          </a:xfrm>
-          <a:prstGeom prst="rect">
-            <a:avLst/>
-          </a:prstGeom>
-        </p:spPr>
-        <p:txBody>
-          <a:bodyPr spcFirstLastPara="1" wrap="square" lIns="91425" tIns="91425" rIns="91425" bIns="91425" anchor="ctr" anchorCtr="0">
-            <a:noAutofit/>
-          </a:bodyPr>
-          <a:lstStyle/>
-          <a:p>
-            <a:pPr marL="0" lvl="0" indent="0" algn="l" rtl="0">
-              <a:spcBef>
-                <a:spcPts val="0"/>
-              </a:spcBef>
-              <a:spcAft>
-                <a:spcPts val="0"/>
-              </a:spcAft>
-              <a:buNone/>
-            </a:pPr>
-            <a:fld id="{00000000-1234-1234-1234-123412341234}" type="slidenum">
-              <a:rPr lang="es" sz="1200">
-                <a:solidFill>
-                  <a:srgbClr val="CCCCCC"/>
-                </a:solidFill>
-                <a:latin typeface="Arvo"/>
-                <a:ea typeface="Arvo"/>
-                <a:cs typeface="Arvo"/>
-                <a:sym typeface="Arvo"/>
-              </a:rPr>
-              <a:t>11</a:t>
-            </a:fld>
-            <a:endParaRPr sz="1200">
-              <a:solidFill>
-                <a:srgbClr val="CCCCCC"/>
-              </a:solidFill>
-              <a:latin typeface="Arvo"/>
-              <a:ea typeface="Arvo"/>
-              <a:cs typeface="Arvo"/>
-              <a:sym typeface="Arvo"/>
-            </a:endParaRPr>
-          </a:p>
-        </p:txBody>
-      </p:sp>
-      <p:sp>
-        <p:nvSpPr>
           <p:cNvPr id="920" name="Google Shape;920;p61"/>
           <p:cNvSpPr txBox="1">
             <a:spLocks noGrp="1"/>
@@ -10523,8 +10840,8 @@
         </p:nvSpPr>
         <p:spPr>
           <a:xfrm>
-            <a:off x="3094000" y="1515550"/>
-            <a:ext cx="2955900" cy="853500"/>
+            <a:off x="1610650" y="1856275"/>
+            <a:ext cx="3299400" cy="875700"/>
           </a:xfrm>
           <a:prstGeom prst="rect">
             <a:avLst/>
@@ -10570,6 +10887,94 @@
           </a:p>
         </p:txBody>
       </p:sp>
+      <p:sp>
+        <p:nvSpPr>
+          <p:cNvPr id="919" name="Google Shape;919;p61"/>
+          <p:cNvSpPr txBox="1">
+            <a:spLocks noGrp="1"/>
+          </p:cNvSpPr>
+          <p:nvPr>
+            <p:ph type="sldNum" idx="4294967295"/>
+          </p:nvPr>
+        </p:nvSpPr>
+        <p:spPr>
+          <a:xfrm>
+            <a:off x="8594725" y="4662488"/>
+            <a:ext cx="549275" cy="393700"/>
+          </a:xfrm>
+          <a:prstGeom prst="rect">
+            <a:avLst/>
+          </a:prstGeom>
+        </p:spPr>
+        <p:txBody>
+          <a:bodyPr spcFirstLastPara="1" wrap="square" lIns="91425" tIns="91425" rIns="91425" bIns="91425" anchor="ctr" anchorCtr="0">
+            <a:noAutofit/>
+          </a:bodyPr>
+          <a:lstStyle/>
+          <a:p>
+            <a:pPr marL="0" lvl="0" indent="0" algn="l" rtl="0">
+              <a:spcBef>
+                <a:spcPts val="0"/>
+              </a:spcBef>
+              <a:spcAft>
+                <a:spcPts val="0"/>
+              </a:spcAft>
+              <a:buNone/>
+            </a:pPr>
+            <a:fld id="{00000000-1234-1234-1234-123412341234}" type="slidenum">
+              <a:rPr lang="es" sz="1200">
+                <a:solidFill>
+                  <a:srgbClr val="CCCCCC"/>
+                </a:solidFill>
+                <a:latin typeface="Arvo"/>
+                <a:ea typeface="Arvo"/>
+                <a:cs typeface="Arvo"/>
+                <a:sym typeface="Arvo"/>
+              </a:rPr>
+              <a:t>11</a:t>
+            </a:fld>
+            <a:endParaRPr sz="1200">
+              <a:solidFill>
+                <a:srgbClr val="CCCCCC"/>
+              </a:solidFill>
+              <a:latin typeface="Arvo"/>
+              <a:ea typeface="Arvo"/>
+              <a:cs typeface="Arvo"/>
+              <a:sym typeface="Arvo"/>
+            </a:endParaRPr>
+          </a:p>
+        </p:txBody>
+      </p:sp>
+      <p:pic>
+        <p:nvPicPr>
+          <p:cNvPr id="4" name="Picture 3"/>
+          <p:cNvPicPr>
+            <a:picLocks noChangeAspect="1"/>
+          </p:cNvPicPr>
+          <p:nvPr/>
+        </p:nvPicPr>
+        <p:blipFill>
+          <a:blip r:embed="rId3">
+            <a:extLst>
+              <a:ext uri="{28A0092B-C50C-407E-A947-70E740481C1C}">
+                <a14:useLocalDpi xmlns:a14="http://schemas.microsoft.com/office/drawing/2010/main" val="0"/>
+              </a:ext>
+            </a:extLst>
+          </a:blip>
+          <a:stretch>
+            <a:fillRect/>
+          </a:stretch>
+        </p:blipFill>
+        <p:spPr>
+          <a:xfrm>
+            <a:off x="0" y="4784730"/>
+            <a:ext cx="9144000" cy="319088"/>
+          </a:xfrm>
+          <a:prstGeom prst="rect">
+            <a:avLst/>
+          </a:prstGeom>
+        </p:spPr>
+      </p:pic>
     </p:spTree>
     <p:extLst>
       <p:ext uri="{BB962C8B-B14F-4D97-AF65-F5344CB8AC3E}">
